--- a/02. Transfer data from SQL databse to HANA through BODS.pptx
+++ b/02. Transfer data from SQL databse to HANA through BODS.pptx
@@ -126,7 +126,27 @@
       </a:defRPr>
     </a:lvl9pPr>
   </p:defaultTextStyle>
+  <p:extLst>
+    <p:ext uri="{EFAFB233-063F-42B5-8137-9DF3F51BA10A}">
+      <p15:sldGuideLst xmlns:p15="http://schemas.microsoft.com/office/powerpoint/2012/main">
+        <p15:guide id="1" orient="horz" pos="2160">
+          <p15:clr>
+            <a:srgbClr val="A4A3A4"/>
+          </p15:clr>
+        </p15:guide>
+        <p15:guide id="2" pos="2880">
+          <p15:clr>
+            <a:srgbClr val="A4A3A4"/>
+          </p15:clr>
+        </p15:guide>
+      </p15:sldGuideLst>
+    </p:ext>
+  </p:extLst>
 </p:presentation>
+</file>
+
+<file path=ppt/revisionInfo.xml><?xml version="1.0" encoding="utf-8"?>
+<p1510:revInfo xmlns:a="http://schemas.openxmlformats.org/drawingml/2006/main" xmlns:r="http://schemas.openxmlformats.org/officeDocument/2006/relationships" xmlns:p1510="http://schemas.microsoft.com/office/powerpoint/2015/10/main"/>
 </file>
 
 <file path=ppt/slideLayouts/slideLayout1.xml><?xml version="1.0" encoding="utf-8"?>
@@ -318,10 +338,9 @@
           </a:lstStyle>
           <a:p>
             <a:r>
-              <a:rPr kumimoji="0" lang="en-US" smtClean="0"/>
+              <a:rPr kumimoji="0" lang="en-US"/>
               <a:t>Click to edit Master title style</a:t>
             </a:r>
-            <a:endParaRPr kumimoji="0" lang="en-US"/>
           </a:p>
         </p:txBody>
       </p:sp>
@@ -381,10 +400,9 @@
           </a:lstStyle>
           <a:p>
             <a:r>
-              <a:rPr kumimoji="0" lang="en-US" smtClean="0"/>
+              <a:rPr kumimoji="0" lang="en-US"/>
               <a:t>Click to edit Master subtitle style</a:t>
             </a:r>
-            <a:endParaRPr kumimoji="0" lang="en-US"/>
           </a:p>
         </p:txBody>
       </p:sp>
@@ -421,7 +439,7 @@
             <a:fld id="{14617971-7FFF-4153-9B0A-A6A160B9216D}" type="datetimeFigureOut">
               <a:rPr lang="en-US" smtClean="0"/>
               <a:pPr/>
-              <a:t>8/5/2017</a:t>
+              <a:t>9/19/2017</a:t>
             </a:fld>
             <a:endParaRPr lang="en-US"/>
           </a:p>
@@ -537,10 +555,9 @@
           <a:lstStyle/>
           <a:p>
             <a:r>
-              <a:rPr kumimoji="0" lang="en-US" smtClean="0"/>
+              <a:rPr kumimoji="0" lang="en-US"/>
               <a:t>Click to edit Master title style</a:t>
             </a:r>
-            <a:endParaRPr kumimoji="0" lang="en-US"/>
           </a:p>
         </p:txBody>
       </p:sp>
@@ -561,35 +578,35 @@
           <a:p>
             <a:pPr lvl="0" eaLnBrk="1" latinLnBrk="0" hangingPunct="1"/>
             <a:r>
-              <a:rPr lang="en-US" smtClean="0"/>
+              <a:rPr lang="en-US"/>
               <a:t>Click to edit Master text styles</a:t>
             </a:r>
           </a:p>
           <a:p>
             <a:pPr lvl="1" eaLnBrk="1" latinLnBrk="0" hangingPunct="1"/>
             <a:r>
-              <a:rPr lang="en-US" smtClean="0"/>
+              <a:rPr lang="en-US"/>
               <a:t>Second level</a:t>
             </a:r>
           </a:p>
           <a:p>
             <a:pPr lvl="2" eaLnBrk="1" latinLnBrk="0" hangingPunct="1"/>
             <a:r>
-              <a:rPr lang="en-US" smtClean="0"/>
+              <a:rPr lang="en-US"/>
               <a:t>Third level</a:t>
             </a:r>
           </a:p>
           <a:p>
             <a:pPr lvl="3" eaLnBrk="1" latinLnBrk="0" hangingPunct="1"/>
             <a:r>
-              <a:rPr lang="en-US" smtClean="0"/>
+              <a:rPr lang="en-US"/>
               <a:t>Fourth level</a:t>
             </a:r>
           </a:p>
           <a:p>
             <a:pPr lvl="4" eaLnBrk="1" latinLnBrk="0" hangingPunct="1"/>
             <a:r>
-              <a:rPr lang="en-US" smtClean="0"/>
+              <a:rPr lang="en-US"/>
               <a:t>Fifth level</a:t>
             </a:r>
             <a:endParaRPr kumimoji="0" lang="en-US"/>
@@ -614,7 +631,7 @@
             <a:fld id="{14617971-7FFF-4153-9B0A-A6A160B9216D}" type="datetimeFigureOut">
               <a:rPr lang="en-US" smtClean="0"/>
               <a:pPr/>
-              <a:t>8/5/2017</a:t>
+              <a:t>9/19/2017</a:t>
             </a:fld>
             <a:endParaRPr lang="en-US"/>
           </a:p>
@@ -714,10 +731,9 @@
           <a:lstStyle/>
           <a:p>
             <a:r>
-              <a:rPr kumimoji="0" lang="en-US" smtClean="0"/>
+              <a:rPr kumimoji="0" lang="en-US"/>
               <a:t>Click to edit Master title style</a:t>
             </a:r>
-            <a:endParaRPr kumimoji="0" lang="en-US"/>
           </a:p>
         </p:txBody>
       </p:sp>
@@ -743,35 +759,35 @@
           <a:p>
             <a:pPr lvl="0" eaLnBrk="1" latinLnBrk="0" hangingPunct="1"/>
             <a:r>
-              <a:rPr lang="en-US" smtClean="0"/>
+              <a:rPr lang="en-US"/>
               <a:t>Click to edit Master text styles</a:t>
             </a:r>
           </a:p>
           <a:p>
             <a:pPr lvl="1" eaLnBrk="1" latinLnBrk="0" hangingPunct="1"/>
             <a:r>
-              <a:rPr lang="en-US" smtClean="0"/>
+              <a:rPr lang="en-US"/>
               <a:t>Second level</a:t>
             </a:r>
           </a:p>
           <a:p>
             <a:pPr lvl="2" eaLnBrk="1" latinLnBrk="0" hangingPunct="1"/>
             <a:r>
-              <a:rPr lang="en-US" smtClean="0"/>
+              <a:rPr lang="en-US"/>
               <a:t>Third level</a:t>
             </a:r>
           </a:p>
           <a:p>
             <a:pPr lvl="3" eaLnBrk="1" latinLnBrk="0" hangingPunct="1"/>
             <a:r>
-              <a:rPr lang="en-US" smtClean="0"/>
+              <a:rPr lang="en-US"/>
               <a:t>Fourth level</a:t>
             </a:r>
           </a:p>
           <a:p>
             <a:pPr lvl="4" eaLnBrk="1" latinLnBrk="0" hangingPunct="1"/>
             <a:r>
-              <a:rPr lang="en-US" smtClean="0"/>
+              <a:rPr lang="en-US"/>
               <a:t>Fifth level</a:t>
             </a:r>
             <a:endParaRPr kumimoji="0" lang="en-US"/>
@@ -801,7 +817,7 @@
             <a:fld id="{14617971-7FFF-4153-9B0A-A6A160B9216D}" type="datetimeFigureOut">
               <a:rPr lang="en-US" smtClean="0"/>
               <a:pPr/>
-              <a:t>8/5/2017</a:t>
+              <a:t>9/19/2017</a:t>
             </a:fld>
             <a:endParaRPr lang="en-US"/>
           </a:p>
@@ -1041,10 +1057,9 @@
           <a:lstStyle/>
           <a:p>
             <a:r>
-              <a:rPr kumimoji="0" lang="en-US" smtClean="0"/>
+              <a:rPr kumimoji="0" lang="en-US"/>
               <a:t>Click to edit Master title style</a:t>
             </a:r>
-            <a:endParaRPr kumimoji="0" lang="en-US"/>
           </a:p>
         </p:txBody>
       </p:sp>
@@ -1066,7 +1081,7 @@
             <a:fld id="{14617971-7FFF-4153-9B0A-A6A160B9216D}" type="datetimeFigureOut">
               <a:rPr lang="en-US" smtClean="0"/>
               <a:pPr/>
-              <a:t>8/5/2017</a:t>
+              <a:t>9/19/2017</a:t>
             </a:fld>
             <a:endParaRPr lang="en-US"/>
           </a:p>
@@ -1145,35 +1160,35 @@
           <a:p>
             <a:pPr lvl="0" eaLnBrk="1" latinLnBrk="0" hangingPunct="1"/>
             <a:r>
-              <a:rPr lang="en-US" smtClean="0"/>
+              <a:rPr lang="en-US"/>
               <a:t>Click to edit Master text styles</a:t>
             </a:r>
           </a:p>
           <a:p>
             <a:pPr lvl="1" eaLnBrk="1" latinLnBrk="0" hangingPunct="1"/>
             <a:r>
-              <a:rPr lang="en-US" smtClean="0"/>
+              <a:rPr lang="en-US"/>
               <a:t>Second level</a:t>
             </a:r>
           </a:p>
           <a:p>
             <a:pPr lvl="2" eaLnBrk="1" latinLnBrk="0" hangingPunct="1"/>
             <a:r>
-              <a:rPr lang="en-US" smtClean="0"/>
+              <a:rPr lang="en-US"/>
               <a:t>Third level</a:t>
             </a:r>
           </a:p>
           <a:p>
             <a:pPr lvl="3" eaLnBrk="1" latinLnBrk="0" hangingPunct="1"/>
             <a:r>
-              <a:rPr lang="en-US" smtClean="0"/>
+              <a:rPr lang="en-US"/>
               <a:t>Fourth level</a:t>
             </a:r>
           </a:p>
           <a:p>
             <a:pPr lvl="4" eaLnBrk="1" latinLnBrk="0" hangingPunct="1"/>
             <a:r>
-              <a:rPr lang="en-US" smtClean="0"/>
+              <a:rPr lang="en-US"/>
               <a:t>Fifth level</a:t>
             </a:r>
             <a:endParaRPr kumimoji="0" lang="en-US"/>
@@ -1281,7 +1296,7 @@
           <a:p>
             <a:pPr lvl="0" eaLnBrk="1" latinLnBrk="0" hangingPunct="1"/>
             <a:r>
-              <a:rPr kumimoji="0" lang="en-US" smtClean="0"/>
+              <a:rPr kumimoji="0" lang="en-US"/>
               <a:t>Click to edit Master text styles</a:t>
             </a:r>
           </a:p>
@@ -1459,10 +1474,9 @@
           </a:lstStyle>
           <a:p>
             <a:r>
-              <a:rPr kumimoji="0" lang="en-US" smtClean="0"/>
+              <a:rPr kumimoji="0" lang="en-US"/>
               <a:t>Click to edit Master title style</a:t>
             </a:r>
-            <a:endParaRPr kumimoji="0" lang="en-US"/>
           </a:p>
         </p:txBody>
       </p:sp>
@@ -1484,7 +1498,7 @@
             <a:fld id="{14617971-7FFF-4153-9B0A-A6A160B9216D}" type="datetimeFigureOut">
               <a:rPr lang="en-US" smtClean="0"/>
               <a:pPr/>
-              <a:t>8/5/2017</a:t>
+              <a:t>9/19/2017</a:t>
             </a:fld>
             <a:endParaRPr lang="en-US"/>
           </a:p>
@@ -1589,10 +1603,9 @@
           <a:lstStyle/>
           <a:p>
             <a:r>
-              <a:rPr kumimoji="0" lang="en-US" smtClean="0"/>
+              <a:rPr kumimoji="0" lang="en-US"/>
               <a:t>Click to edit Master title style</a:t>
             </a:r>
-            <a:endParaRPr kumimoji="0" lang="en-US"/>
           </a:p>
         </p:txBody>
       </p:sp>
@@ -1618,35 +1631,35 @@
           <a:p>
             <a:pPr lvl="0" eaLnBrk="1" latinLnBrk="0" hangingPunct="1"/>
             <a:r>
-              <a:rPr lang="en-US" smtClean="0"/>
+              <a:rPr lang="en-US"/>
               <a:t>Click to edit Master text styles</a:t>
             </a:r>
           </a:p>
           <a:p>
             <a:pPr lvl="1" eaLnBrk="1" latinLnBrk="0" hangingPunct="1"/>
             <a:r>
-              <a:rPr lang="en-US" smtClean="0"/>
+              <a:rPr lang="en-US"/>
               <a:t>Second level</a:t>
             </a:r>
           </a:p>
           <a:p>
             <a:pPr lvl="2" eaLnBrk="1" latinLnBrk="0" hangingPunct="1"/>
             <a:r>
-              <a:rPr lang="en-US" smtClean="0"/>
+              <a:rPr lang="en-US"/>
               <a:t>Third level</a:t>
             </a:r>
           </a:p>
           <a:p>
             <a:pPr lvl="3" eaLnBrk="1" latinLnBrk="0" hangingPunct="1"/>
             <a:r>
-              <a:rPr lang="en-US" smtClean="0"/>
+              <a:rPr lang="en-US"/>
               <a:t>Fourth level</a:t>
             </a:r>
           </a:p>
           <a:p>
             <a:pPr lvl="4" eaLnBrk="1" latinLnBrk="0" hangingPunct="1"/>
             <a:r>
-              <a:rPr lang="en-US" smtClean="0"/>
+              <a:rPr lang="en-US"/>
               <a:t>Fifth level</a:t>
             </a:r>
             <a:endParaRPr kumimoji="0" lang="en-US"/>
@@ -1675,35 +1688,35 @@
           <a:p>
             <a:pPr lvl="0" eaLnBrk="1" latinLnBrk="0" hangingPunct="1"/>
             <a:r>
-              <a:rPr lang="en-US" smtClean="0"/>
+              <a:rPr lang="en-US"/>
               <a:t>Click to edit Master text styles</a:t>
             </a:r>
           </a:p>
           <a:p>
             <a:pPr lvl="1" eaLnBrk="1" latinLnBrk="0" hangingPunct="1"/>
             <a:r>
-              <a:rPr lang="en-US" smtClean="0"/>
+              <a:rPr lang="en-US"/>
               <a:t>Second level</a:t>
             </a:r>
           </a:p>
           <a:p>
             <a:pPr lvl="2" eaLnBrk="1" latinLnBrk="0" hangingPunct="1"/>
             <a:r>
-              <a:rPr lang="en-US" smtClean="0"/>
+              <a:rPr lang="en-US"/>
               <a:t>Third level</a:t>
             </a:r>
           </a:p>
           <a:p>
             <a:pPr lvl="3" eaLnBrk="1" latinLnBrk="0" hangingPunct="1"/>
             <a:r>
-              <a:rPr lang="en-US" smtClean="0"/>
+              <a:rPr lang="en-US"/>
               <a:t>Fourth level</a:t>
             </a:r>
           </a:p>
           <a:p>
             <a:pPr lvl="4" eaLnBrk="1" latinLnBrk="0" hangingPunct="1"/>
             <a:r>
-              <a:rPr lang="en-US" smtClean="0"/>
+              <a:rPr lang="en-US"/>
               <a:t>Fifth level</a:t>
             </a:r>
             <a:endParaRPr kumimoji="0" lang="en-US"/>
@@ -1728,7 +1741,7 @@
             <a:fld id="{14617971-7FFF-4153-9B0A-A6A160B9216D}" type="datetimeFigureOut">
               <a:rPr lang="en-US" smtClean="0"/>
               <a:pPr/>
-              <a:t>8/5/2017</a:t>
+              <a:t>9/19/2017</a:t>
             </a:fld>
             <a:endParaRPr lang="en-US"/>
           </a:p>
@@ -1827,10 +1840,9 @@
           </a:lstStyle>
           <a:p>
             <a:r>
-              <a:rPr kumimoji="0" lang="en-US" smtClean="0"/>
+              <a:rPr kumimoji="0" lang="en-US"/>
               <a:t>Click to edit Master title style</a:t>
             </a:r>
-            <a:endParaRPr kumimoji="0" lang="en-US"/>
           </a:p>
         </p:txBody>
       </p:sp>
@@ -1856,35 +1868,35 @@
           <a:p>
             <a:pPr lvl="0" eaLnBrk="1" latinLnBrk="0" hangingPunct="1"/>
             <a:r>
-              <a:rPr lang="en-US" smtClean="0"/>
+              <a:rPr lang="en-US"/>
               <a:t>Click to edit Master text styles</a:t>
             </a:r>
           </a:p>
           <a:p>
             <a:pPr lvl="1" eaLnBrk="1" latinLnBrk="0" hangingPunct="1"/>
             <a:r>
-              <a:rPr lang="en-US" smtClean="0"/>
+              <a:rPr lang="en-US"/>
               <a:t>Second level</a:t>
             </a:r>
           </a:p>
           <a:p>
             <a:pPr lvl="2" eaLnBrk="1" latinLnBrk="0" hangingPunct="1"/>
             <a:r>
-              <a:rPr lang="en-US" smtClean="0"/>
+              <a:rPr lang="en-US"/>
               <a:t>Third level</a:t>
             </a:r>
           </a:p>
           <a:p>
             <a:pPr lvl="3" eaLnBrk="1" latinLnBrk="0" hangingPunct="1"/>
             <a:r>
-              <a:rPr lang="en-US" smtClean="0"/>
+              <a:rPr lang="en-US"/>
               <a:t>Fourth level</a:t>
             </a:r>
           </a:p>
           <a:p>
             <a:pPr lvl="4" eaLnBrk="1" latinLnBrk="0" hangingPunct="1"/>
             <a:r>
-              <a:rPr lang="en-US" smtClean="0"/>
+              <a:rPr lang="en-US"/>
               <a:t>Fifth level</a:t>
             </a:r>
             <a:endParaRPr kumimoji="0" lang="en-US"/>
@@ -1913,35 +1925,35 @@
           <a:p>
             <a:pPr lvl="0" eaLnBrk="1" latinLnBrk="0" hangingPunct="1"/>
             <a:r>
-              <a:rPr lang="en-US" smtClean="0"/>
+              <a:rPr lang="en-US"/>
               <a:t>Click to edit Master text styles</a:t>
             </a:r>
           </a:p>
           <a:p>
             <a:pPr lvl="1" eaLnBrk="1" latinLnBrk="0" hangingPunct="1"/>
             <a:r>
-              <a:rPr lang="en-US" smtClean="0"/>
+              <a:rPr lang="en-US"/>
               <a:t>Second level</a:t>
             </a:r>
           </a:p>
           <a:p>
             <a:pPr lvl="2" eaLnBrk="1" latinLnBrk="0" hangingPunct="1"/>
             <a:r>
-              <a:rPr lang="en-US" smtClean="0"/>
+              <a:rPr lang="en-US"/>
               <a:t>Third level</a:t>
             </a:r>
           </a:p>
           <a:p>
             <a:pPr lvl="3" eaLnBrk="1" latinLnBrk="0" hangingPunct="1"/>
             <a:r>
-              <a:rPr lang="en-US" smtClean="0"/>
+              <a:rPr lang="en-US"/>
               <a:t>Fourth level</a:t>
             </a:r>
           </a:p>
           <a:p>
             <a:pPr lvl="4" eaLnBrk="1" latinLnBrk="0" hangingPunct="1"/>
             <a:r>
-              <a:rPr lang="en-US" smtClean="0"/>
+              <a:rPr lang="en-US"/>
               <a:t>Fifth level</a:t>
             </a:r>
             <a:endParaRPr kumimoji="0" lang="en-US"/>
@@ -1966,7 +1978,7 @@
             <a:fld id="{14617971-7FFF-4153-9B0A-A6A160B9216D}" type="datetimeFigureOut">
               <a:rPr lang="en-US" smtClean="0"/>
               <a:pPr/>
-              <a:t>8/5/2017</a:t>
+              <a:t>9/19/2017</a:t>
             </a:fld>
             <a:endParaRPr lang="en-US"/>
           </a:p>
@@ -2050,7 +2062,7 @@
           <a:p>
             <a:pPr lvl="0" eaLnBrk="1" latinLnBrk="0" hangingPunct="1"/>
             <a:r>
-              <a:rPr kumimoji="0" lang="en-US" smtClean="0"/>
+              <a:rPr kumimoji="0" lang="en-US"/>
               <a:t>Click to edit Master text styles</a:t>
             </a:r>
           </a:p>
@@ -2091,7 +2103,7 @@
           <a:p>
             <a:pPr lvl="0" eaLnBrk="1" latinLnBrk="0" hangingPunct="1"/>
             <a:r>
-              <a:rPr kumimoji="0" lang="en-US" smtClean="0"/>
+              <a:rPr kumimoji="0" lang="en-US"/>
               <a:t>Click to edit Master text styles</a:t>
             </a:r>
           </a:p>
@@ -2138,10 +2150,9 @@
           <a:lstStyle/>
           <a:p>
             <a:r>
-              <a:rPr kumimoji="0" lang="en-US" smtClean="0"/>
+              <a:rPr kumimoji="0" lang="en-US"/>
               <a:t>Click to edit Master title style</a:t>
             </a:r>
-            <a:endParaRPr kumimoji="0" lang="en-US"/>
           </a:p>
         </p:txBody>
       </p:sp>
@@ -2163,7 +2174,7 @@
             <a:fld id="{14617971-7FFF-4153-9B0A-A6A160B9216D}" type="datetimeFigureOut">
               <a:rPr lang="en-US" smtClean="0"/>
               <a:pPr/>
-              <a:t>8/5/2017</a:t>
+              <a:t>9/19/2017</a:t>
             </a:fld>
             <a:endParaRPr lang="en-US"/>
           </a:p>
@@ -2263,7 +2274,7 @@
             <a:fld id="{14617971-7FFF-4153-9B0A-A6A160B9216D}" type="datetimeFigureOut">
               <a:rPr lang="en-US" smtClean="0"/>
               <a:pPr/>
-              <a:t>8/5/2017</a:t>
+              <a:t>9/19/2017</a:t>
             </a:fld>
             <a:endParaRPr lang="en-US"/>
           </a:p>
@@ -2376,10 +2387,9 @@
           </a:lstStyle>
           <a:p>
             <a:r>
-              <a:rPr kumimoji="0" lang="en-US" smtClean="0"/>
+              <a:rPr kumimoji="0" lang="en-US"/>
               <a:t>Click to edit Master title style</a:t>
             </a:r>
-            <a:endParaRPr kumimoji="0" lang="en-US"/>
           </a:p>
         </p:txBody>
       </p:sp>
@@ -2401,7 +2411,7 @@
             <a:fld id="{14617971-7FFF-4153-9B0A-A6A160B9216D}" type="datetimeFigureOut">
               <a:rPr lang="en-US" smtClean="0"/>
               <a:pPr/>
-              <a:t>8/5/2017</a:t>
+              <a:t>9/19/2017</a:t>
             </a:fld>
             <a:endParaRPr lang="en-US"/>
           </a:p>
@@ -2526,7 +2536,7 @@
           <a:p>
             <a:pPr lvl="0" eaLnBrk="1" latinLnBrk="0" hangingPunct="1"/>
             <a:r>
-              <a:rPr kumimoji="0" lang="en-US" smtClean="0"/>
+              <a:rPr kumimoji="0" lang="en-US"/>
               <a:t>Click to edit Master text styles</a:t>
             </a:r>
           </a:p>
@@ -2554,35 +2564,35 @@
           <a:p>
             <a:pPr lvl="0" eaLnBrk="1" latinLnBrk="0" hangingPunct="1"/>
             <a:r>
-              <a:rPr lang="en-US" smtClean="0"/>
+              <a:rPr lang="en-US"/>
               <a:t>Click to edit Master text styles</a:t>
             </a:r>
           </a:p>
           <a:p>
             <a:pPr lvl="1" eaLnBrk="1" latinLnBrk="0" hangingPunct="1"/>
             <a:r>
-              <a:rPr lang="en-US" smtClean="0"/>
+              <a:rPr lang="en-US"/>
               <a:t>Second level</a:t>
             </a:r>
           </a:p>
           <a:p>
             <a:pPr lvl="2" eaLnBrk="1" latinLnBrk="0" hangingPunct="1"/>
             <a:r>
-              <a:rPr lang="en-US" smtClean="0"/>
+              <a:rPr lang="en-US"/>
               <a:t>Third level</a:t>
             </a:r>
           </a:p>
           <a:p>
             <a:pPr lvl="3" eaLnBrk="1" latinLnBrk="0" hangingPunct="1"/>
             <a:r>
-              <a:rPr lang="en-US" smtClean="0"/>
+              <a:rPr lang="en-US"/>
               <a:t>Fourth level</a:t>
             </a:r>
           </a:p>
           <a:p>
             <a:pPr lvl="4" eaLnBrk="1" latinLnBrk="0" hangingPunct="1"/>
             <a:r>
-              <a:rPr lang="en-US" smtClean="0"/>
+              <a:rPr lang="en-US"/>
               <a:t>Fifth level</a:t>
             </a:r>
             <a:endParaRPr kumimoji="0" lang="en-US"/>
@@ -2667,7 +2677,7 @@
           <a:p>
             <a:pPr lvl="0" eaLnBrk="1" latinLnBrk="0" hangingPunct="1"/>
             <a:r>
-              <a:rPr kumimoji="0" lang="en-US" smtClean="0"/>
+              <a:rPr kumimoji="0" lang="en-US"/>
               <a:t>Click to edit Master text styles</a:t>
             </a:r>
           </a:p>
@@ -2845,10 +2855,9 @@
           </a:lstStyle>
           <a:p>
             <a:r>
-              <a:rPr kumimoji="0" lang="en-US" smtClean="0"/>
+              <a:rPr kumimoji="0" lang="en-US"/>
               <a:t>Click to edit Master title style</a:t>
             </a:r>
-            <a:endParaRPr kumimoji="0" lang="en-US"/>
           </a:p>
         </p:txBody>
       </p:sp>
@@ -2921,7 +2930,7 @@
             <a:fld id="{14617971-7FFF-4153-9B0A-A6A160B9216D}" type="datetimeFigureOut">
               <a:rPr lang="en-US" smtClean="0"/>
               <a:pPr/>
-              <a:t>8/5/2017</a:t>
+              <a:t>9/19/2017</a:t>
             </a:fld>
             <a:endParaRPr lang="en-US"/>
           </a:p>
@@ -3018,7 +3027,7 @@
           </a:lstStyle>
           <a:p>
             <a:r>
-              <a:rPr kumimoji="0" lang="en-US" smtClean="0"/>
+              <a:rPr kumimoji="0" lang="en-US"/>
               <a:t>Click icon to add picture</a:t>
             </a:r>
             <a:endParaRPr kumimoji="0" lang="en-US" dirty="0"/>
@@ -3081,11 +3090,11 @@
           <a:lstStyle/>
           <a:p>
             <a:r>
-              <a:rPr kumimoji="0" lang="en-US" dirty="0" smtClean="0"/>
+              <a:rPr kumimoji="0" lang="en-US" dirty="0"/>
               <a:t>Click to edit Master </a:t>
             </a:r>
             <a:r>
-              <a:rPr kumimoji="0" lang="en-US" smtClean="0"/>
+              <a:rPr kumimoji="0" lang="en-US"/>
               <a:t>title style.</a:t>
             </a:r>
             <a:endParaRPr kumimoji="0" lang="en-US" dirty="0"/>
@@ -3119,38 +3128,37 @@
           <a:p>
             <a:pPr lvl="0" eaLnBrk="1" latinLnBrk="0" hangingPunct="1"/>
             <a:r>
-              <a:rPr kumimoji="0" lang="en-US" smtClean="0"/>
+              <a:rPr kumimoji="0" lang="en-US"/>
               <a:t>Click to edit Master text styles</a:t>
             </a:r>
           </a:p>
           <a:p>
             <a:pPr lvl="1" eaLnBrk="1" latinLnBrk="0" hangingPunct="1"/>
             <a:r>
-              <a:rPr kumimoji="0" lang="en-US" smtClean="0"/>
+              <a:rPr kumimoji="0" lang="en-US"/>
               <a:t>Second level</a:t>
             </a:r>
           </a:p>
           <a:p>
             <a:pPr lvl="2" eaLnBrk="1" latinLnBrk="0" hangingPunct="1"/>
             <a:r>
-              <a:rPr kumimoji="0" lang="en-US" smtClean="0"/>
+              <a:rPr kumimoji="0" lang="en-US"/>
               <a:t>Third level</a:t>
             </a:r>
           </a:p>
           <a:p>
             <a:pPr lvl="3" eaLnBrk="1" latinLnBrk="0" hangingPunct="1"/>
             <a:r>
-              <a:rPr kumimoji="0" lang="en-US" smtClean="0"/>
+              <a:rPr kumimoji="0" lang="en-US"/>
               <a:t>Fourth level</a:t>
             </a:r>
           </a:p>
           <a:p>
             <a:pPr lvl="4" eaLnBrk="1" latinLnBrk="0" hangingPunct="1"/>
             <a:r>
-              <a:rPr kumimoji="0" lang="en-US" smtClean="0"/>
+              <a:rPr kumimoji="0" lang="en-US"/>
               <a:t>Fifth level</a:t>
             </a:r>
-            <a:endParaRPr kumimoji="0" lang="en-US"/>
           </a:p>
         </p:txBody>
       </p:sp>
@@ -3188,7 +3196,7 @@
             <a:fld id="{14617971-7FFF-4153-9B0A-A6A160B9216D}" type="datetimeFigureOut">
               <a:rPr lang="en-US" smtClean="0"/>
               <a:pPr/>
-              <a:t>8/5/2017</a:t>
+              <a:t>9/19/2017</a:t>
             </a:fld>
             <a:endParaRPr lang="en-US"/>
           </a:p>
@@ -3746,19 +3754,19 @@
           <a:lstStyle/>
           <a:p>
             <a:r>
-              <a:rPr lang="en-US" sz="2800" dirty="0" smtClean="0"/>
+              <a:rPr lang="en-US" sz="2800" dirty="0"/>
               <a:t>Connect </a:t>
             </a:r>
             <a:r>
-              <a:rPr lang="en-US" sz="2800" dirty="0" err="1" smtClean="0"/>
+              <a:rPr lang="en-US" sz="2800" dirty="0" err="1"/>
               <a:t>sql</a:t>
             </a:r>
             <a:r>
-              <a:rPr lang="en-US" sz="2800" dirty="0" smtClean="0"/>
+              <a:rPr lang="en-US" sz="2800" dirty="0"/>
               <a:t> database to </a:t>
             </a:r>
             <a:r>
-              <a:rPr lang="en-US" sz="2800" dirty="0" err="1" smtClean="0"/>
+              <a:rPr lang="en-US" sz="2800" dirty="0" err="1"/>
               <a:t>hana</a:t>
             </a:r>
             <a:endParaRPr lang="en-US" sz="2800" dirty="0"/>
@@ -3783,18 +3791,18 @@
           <a:lstStyle/>
           <a:p>
             <a:r>
-              <a:rPr lang="en-US" b="1" dirty="0" err="1" smtClean="0"/>
+              <a:rPr lang="en-US" b="1" dirty="0" err="1"/>
               <a:t>Milind</a:t>
             </a:r>
             <a:r>
-              <a:rPr lang="en-US" b="1" dirty="0" smtClean="0"/>
+              <a:rPr lang="en-US" b="1" dirty="0"/>
               <a:t> </a:t>
             </a:r>
             <a:r>
-              <a:rPr lang="en-US" b="1" dirty="0" err="1" smtClean="0"/>
+              <a:rPr lang="en-US" b="1" dirty="0" err="1"/>
               <a:t>Parab</a:t>
             </a:r>
-            <a:endParaRPr lang="en-US" b="1" dirty="0" smtClean="0"/>
+            <a:endParaRPr lang="en-US" b="1" dirty="0"/>
           </a:p>
         </p:txBody>
       </p:sp>
@@ -3803,13 +3811,6 @@
   <p:clrMapOvr>
     <a:masterClrMapping/>
   </p:clrMapOvr>
-  <p:timing>
-    <p:tnLst>
-      <p:par>
-        <p:cTn id="1" dur="indefinite" restart="never" nodeType="tmRoot"/>
-      </p:par>
-    </p:tnLst>
-  </p:timing>
 </p:sld>
 </file>
 
@@ -3846,10 +3847,9 @@
           <a:lstStyle/>
           <a:p>
             <a:r>
-              <a:rPr lang="en-US" dirty="0" smtClean="0"/>
+              <a:rPr lang="en-US" dirty="0"/>
               <a:t>Create a new project.</a:t>
             </a:r>
-            <a:endParaRPr lang="en-US" dirty="0"/>
           </a:p>
         </p:txBody>
       </p:sp>
@@ -3928,18 +3928,17 @@
           <a:lstStyle/>
           <a:p>
             <a:r>
-              <a:rPr lang="en-US" dirty="0" smtClean="0"/>
+              <a:rPr lang="en-US" dirty="0"/>
               <a:t>Add </a:t>
             </a:r>
             <a:r>
-              <a:rPr lang="en-US" dirty="0" err="1" smtClean="0"/>
+              <a:rPr lang="en-US" dirty="0" err="1"/>
               <a:t>datasource</a:t>
             </a:r>
             <a:r>
-              <a:rPr lang="en-US" dirty="0" smtClean="0"/>
+              <a:rPr lang="en-US" dirty="0"/>
               <a:t>.</a:t>
             </a:r>
-            <a:endParaRPr lang="en-US" dirty="0"/>
           </a:p>
         </p:txBody>
       </p:sp>
@@ -4018,10 +4017,9 @@
           <a:lstStyle/>
           <a:p>
             <a:r>
-              <a:rPr lang="en-US" dirty="0" smtClean="0"/>
+              <a:rPr lang="en-US" dirty="0"/>
               <a:t>Click on import by name.</a:t>
             </a:r>
-            <a:endParaRPr lang="en-US" dirty="0"/>
           </a:p>
         </p:txBody>
       </p:sp>
@@ -4100,10 +4098,9 @@
           <a:lstStyle/>
           <a:p>
             <a:r>
-              <a:rPr lang="en-US" dirty="0" smtClean="0"/>
+              <a:rPr lang="en-US" dirty="0"/>
               <a:t>Cont.</a:t>
             </a:r>
-            <a:endParaRPr lang="en-US" dirty="0"/>
           </a:p>
         </p:txBody>
       </p:sp>
@@ -4182,10 +4179,9 @@
           <a:lstStyle/>
           <a:p>
             <a:r>
-              <a:rPr lang="en-US" dirty="0" smtClean="0"/>
+              <a:rPr lang="en-US" dirty="0"/>
               <a:t>Create a schema.</a:t>
             </a:r>
-            <a:endParaRPr lang="en-US" dirty="0"/>
           </a:p>
         </p:txBody>
       </p:sp>
@@ -4264,10 +4260,9 @@
           <a:lstStyle/>
           <a:p>
             <a:r>
-              <a:rPr lang="en-US" dirty="0" smtClean="0"/>
+              <a:rPr lang="en-US" dirty="0"/>
               <a:t>Cont.</a:t>
             </a:r>
-            <a:endParaRPr lang="en-US" dirty="0"/>
           </a:p>
         </p:txBody>
       </p:sp>
@@ -4346,18 +4341,17 @@
           <a:lstStyle/>
           <a:p>
             <a:r>
-              <a:rPr lang="en-US" dirty="0" smtClean="0"/>
+              <a:rPr lang="en-US" dirty="0"/>
               <a:t>Create data source for </a:t>
             </a:r>
             <a:r>
-              <a:rPr lang="en-US" dirty="0" err="1" smtClean="0"/>
+              <a:rPr lang="en-US" dirty="0" err="1"/>
               <a:t>hana</a:t>
             </a:r>
             <a:r>
-              <a:rPr lang="en-US" dirty="0" smtClean="0"/>
+              <a:rPr lang="en-US" dirty="0"/>
               <a:t>.</a:t>
             </a:r>
-            <a:endParaRPr lang="en-US" dirty="0"/>
           </a:p>
         </p:txBody>
       </p:sp>
@@ -4514,10 +4508,9 @@
           <a:lstStyle/>
           <a:p>
             <a:r>
-              <a:rPr lang="en-US" dirty="0" smtClean="0"/>
+              <a:rPr lang="en-US" dirty="0"/>
               <a:t>Cont.</a:t>
             </a:r>
-            <a:endParaRPr lang="en-US" dirty="0"/>
           </a:p>
         </p:txBody>
       </p:sp>
@@ -4596,10 +4589,9 @@
           <a:lstStyle/>
           <a:p>
             <a:r>
-              <a:rPr lang="en-US" dirty="0" smtClean="0"/>
+              <a:rPr lang="en-US" dirty="0"/>
               <a:t>Right click on job and execute.</a:t>
             </a:r>
-            <a:endParaRPr lang="en-US" dirty="0"/>
           </a:p>
         </p:txBody>
       </p:sp>
@@ -4758,10 +4750,9 @@
           <a:lstStyle/>
           <a:p>
             <a:r>
-              <a:rPr lang="en-US" dirty="0" smtClean="0"/>
+              <a:rPr lang="en-US" dirty="0"/>
               <a:t>Executed successfully.</a:t>
             </a:r>
-            <a:endParaRPr lang="en-US" dirty="0"/>
           </a:p>
         </p:txBody>
       </p:sp>
@@ -4842,11 +4833,11 @@
           <a:lstStyle/>
           <a:p>
             <a:r>
-              <a:rPr lang="en-US" dirty="0" smtClean="0"/>
+              <a:rPr lang="en-US" dirty="0"/>
               <a:t>The table has been transferred to </a:t>
             </a:r>
             <a:r>
-              <a:rPr lang="en-US" smtClean="0"/>
+              <a:rPr lang="en-US"/>
               <a:t>HANA successfully.</a:t>
             </a:r>
             <a:endParaRPr lang="en-US" dirty="0"/>
@@ -4928,18 +4919,17 @@
           <a:lstStyle/>
           <a:p>
             <a:r>
-              <a:rPr lang="en-US" dirty="0" smtClean="0"/>
+              <a:rPr lang="en-US" dirty="0"/>
               <a:t>Display in HANA </a:t>
             </a:r>
             <a:r>
-              <a:rPr lang="en-US" dirty="0" err="1" smtClean="0"/>
+              <a:rPr lang="en-US" dirty="0" err="1"/>
               <a:t>moduler</a:t>
             </a:r>
             <a:r>
-              <a:rPr lang="en-US" dirty="0" smtClean="0"/>
+              <a:rPr lang="en-US" dirty="0"/>
               <a:t>.</a:t>
             </a:r>
-            <a:endParaRPr lang="en-US" dirty="0"/>
           </a:p>
         </p:txBody>
       </p:sp>
@@ -5018,10 +5008,9 @@
           <a:lstStyle/>
           <a:p>
             <a:r>
-              <a:rPr lang="en-US" dirty="0" smtClean="0"/>
+              <a:rPr lang="en-US" dirty="0"/>
               <a:t>Cont.</a:t>
             </a:r>
-            <a:endParaRPr lang="en-US" dirty="0"/>
           </a:p>
         </p:txBody>
       </p:sp>
@@ -5100,10 +5089,9 @@
           <a:lstStyle/>
           <a:p>
             <a:r>
-              <a:rPr lang="en-US" dirty="0" smtClean="0"/>
+              <a:rPr lang="en-US" dirty="0"/>
               <a:t>Create a new database.</a:t>
             </a:r>
-            <a:endParaRPr lang="en-US" dirty="0"/>
           </a:p>
         </p:txBody>
       </p:sp>
@@ -5182,10 +5170,9 @@
           <a:lstStyle/>
           <a:p>
             <a:r>
-              <a:rPr lang="en-US" dirty="0" smtClean="0"/>
+              <a:rPr lang="en-US" dirty="0"/>
               <a:t>Enter DB name.</a:t>
             </a:r>
-            <a:endParaRPr lang="en-US" dirty="0"/>
           </a:p>
         </p:txBody>
       </p:sp>
@@ -5264,10 +5251,9 @@
           <a:lstStyle/>
           <a:p>
             <a:r>
-              <a:rPr lang="en-US" dirty="0" smtClean="0"/>
+              <a:rPr lang="en-US" dirty="0"/>
               <a:t>Create the table and save it.</a:t>
             </a:r>
-            <a:endParaRPr lang="en-US" dirty="0"/>
           </a:p>
         </p:txBody>
       </p:sp>
@@ -5346,10 +5332,9 @@
           <a:lstStyle/>
           <a:p>
             <a:r>
-              <a:rPr lang="en-US" dirty="0" smtClean="0"/>
+              <a:rPr lang="en-US" dirty="0"/>
               <a:t>Edit table.</a:t>
             </a:r>
-            <a:endParaRPr lang="en-US" dirty="0"/>
           </a:p>
         </p:txBody>
       </p:sp>
@@ -5428,10 +5413,9 @@
           <a:lstStyle/>
           <a:p>
             <a:r>
-              <a:rPr lang="en-US" dirty="0" smtClean="0"/>
+              <a:rPr lang="en-US" dirty="0"/>
               <a:t>Enter the data and save the table.</a:t>
             </a:r>
-            <a:endParaRPr lang="en-US" dirty="0"/>
           </a:p>
         </p:txBody>
       </p:sp>
@@ -5510,10 +5494,9 @@
           <a:lstStyle/>
           <a:p>
             <a:r>
-              <a:rPr lang="en-US" dirty="0" smtClean="0"/>
+              <a:rPr lang="en-US" dirty="0"/>
               <a:t>Check the data in the table.</a:t>
             </a:r>
-            <a:endParaRPr lang="en-US" dirty="0"/>
           </a:p>
         </p:txBody>
       </p:sp>
@@ -5594,10 +5577,9 @@
           <a:lstStyle/>
           <a:p>
             <a:r>
-              <a:rPr lang="en-US" dirty="0" smtClean="0"/>
+              <a:rPr lang="en-US" dirty="0"/>
               <a:t>Connect to SAP data service repository.</a:t>
             </a:r>
-            <a:endParaRPr lang="en-US" dirty="0"/>
           </a:p>
         </p:txBody>
       </p:sp>
